--- a/AdaMPI/files/teaser.pptx
+++ b/AdaMPI/files/teaser.pptx
@@ -107,6 +107,11 @@
       </a:defRPr>
     </a:lvl9pPr>
   </p:defaultTextStyle>
+  <p:extLst>
+    <p:ext uri="{EFAFB233-063F-42B5-8137-9DF3F51BA10A}">
+      <p15:sldGuideLst xmlns:p15="http://schemas.microsoft.com/office/powerpoint/2012/main"/>
+    </p:ext>
+  </p:extLst>
 </p:presentation>
 </file>
 
@@ -192,7 +197,7 @@
           <a:p>
             <a:fld id="{E7EF0303-6F46-4FCB-ADB9-30A3351FFDBA}" type="datetimeFigureOut">
               <a:rPr lang="zh-CN" altLang="en-US" smtClean="0"/>
-              <a:t>2022/5/17</a:t>
+              <a:t>2022/5/23</a:t>
             </a:fld>
             <a:endParaRPr lang="zh-CN" altLang="en-US"/>
           </a:p>
@@ -679,7 +684,7 @@
           <a:p>
             <a:fld id="{838F06BD-EB00-4684-A38A-D673998DC19F}" type="datetimeFigureOut">
               <a:rPr lang="zh-CN" altLang="en-US" smtClean="0"/>
-              <a:t>2022/5/17</a:t>
+              <a:t>2022/5/23</a:t>
             </a:fld>
             <a:endParaRPr lang="zh-CN" altLang="en-US"/>
           </a:p>
@@ -849,7 +854,7 @@
           <a:p>
             <a:fld id="{838F06BD-EB00-4684-A38A-D673998DC19F}" type="datetimeFigureOut">
               <a:rPr lang="zh-CN" altLang="en-US" smtClean="0"/>
-              <a:t>2022/5/17</a:t>
+              <a:t>2022/5/23</a:t>
             </a:fld>
             <a:endParaRPr lang="zh-CN" altLang="en-US"/>
           </a:p>
@@ -1029,7 +1034,7 @@
           <a:p>
             <a:fld id="{838F06BD-EB00-4684-A38A-D673998DC19F}" type="datetimeFigureOut">
               <a:rPr lang="zh-CN" altLang="en-US" smtClean="0"/>
-              <a:t>2022/5/17</a:t>
+              <a:t>2022/5/23</a:t>
             </a:fld>
             <a:endParaRPr lang="zh-CN" altLang="en-US"/>
           </a:p>
@@ -1199,7 +1204,7 @@
           <a:p>
             <a:fld id="{838F06BD-EB00-4684-A38A-D673998DC19F}" type="datetimeFigureOut">
               <a:rPr lang="zh-CN" altLang="en-US" smtClean="0"/>
-              <a:t>2022/5/17</a:t>
+              <a:t>2022/5/23</a:t>
             </a:fld>
             <a:endParaRPr lang="zh-CN" altLang="en-US"/>
           </a:p>
@@ -1445,7 +1450,7 @@
           <a:p>
             <a:fld id="{838F06BD-EB00-4684-A38A-D673998DC19F}" type="datetimeFigureOut">
               <a:rPr lang="zh-CN" altLang="en-US" smtClean="0"/>
-              <a:t>2022/5/17</a:t>
+              <a:t>2022/5/23</a:t>
             </a:fld>
             <a:endParaRPr lang="zh-CN" altLang="en-US"/>
           </a:p>
@@ -1677,7 +1682,7 @@
           <a:p>
             <a:fld id="{838F06BD-EB00-4684-A38A-D673998DC19F}" type="datetimeFigureOut">
               <a:rPr lang="zh-CN" altLang="en-US" smtClean="0"/>
-              <a:t>2022/5/17</a:t>
+              <a:t>2022/5/23</a:t>
             </a:fld>
             <a:endParaRPr lang="zh-CN" altLang="en-US"/>
           </a:p>
@@ -2044,7 +2049,7 @@
           <a:p>
             <a:fld id="{838F06BD-EB00-4684-A38A-D673998DC19F}" type="datetimeFigureOut">
               <a:rPr lang="zh-CN" altLang="en-US" smtClean="0"/>
-              <a:t>2022/5/17</a:t>
+              <a:t>2022/5/23</a:t>
             </a:fld>
             <a:endParaRPr lang="zh-CN" altLang="en-US"/>
           </a:p>
@@ -2162,7 +2167,7 @@
           <a:p>
             <a:fld id="{838F06BD-EB00-4684-A38A-D673998DC19F}" type="datetimeFigureOut">
               <a:rPr lang="zh-CN" altLang="en-US" smtClean="0"/>
-              <a:t>2022/5/17</a:t>
+              <a:t>2022/5/23</a:t>
             </a:fld>
             <a:endParaRPr lang="zh-CN" altLang="en-US"/>
           </a:p>
@@ -2257,7 +2262,7 @@
           <a:p>
             <a:fld id="{838F06BD-EB00-4684-A38A-D673998DC19F}" type="datetimeFigureOut">
               <a:rPr lang="zh-CN" altLang="en-US" smtClean="0"/>
-              <a:t>2022/5/17</a:t>
+              <a:t>2022/5/23</a:t>
             </a:fld>
             <a:endParaRPr lang="zh-CN" altLang="en-US"/>
           </a:p>
@@ -2534,7 +2539,7 @@
           <a:p>
             <a:fld id="{838F06BD-EB00-4684-A38A-D673998DC19F}" type="datetimeFigureOut">
               <a:rPr lang="zh-CN" altLang="en-US" smtClean="0"/>
-              <a:t>2022/5/17</a:t>
+              <a:t>2022/5/23</a:t>
             </a:fld>
             <a:endParaRPr lang="zh-CN" altLang="en-US"/>
           </a:p>
@@ -2791,7 +2796,7 @@
           <a:p>
             <a:fld id="{838F06BD-EB00-4684-A38A-D673998DC19F}" type="datetimeFigureOut">
               <a:rPr lang="zh-CN" altLang="en-US" smtClean="0"/>
-              <a:t>2022/5/17</a:t>
+              <a:t>2022/5/23</a:t>
             </a:fld>
             <a:endParaRPr lang="zh-CN" altLang="en-US"/>
           </a:p>
@@ -3004,7 +3009,7 @@
           <a:p>
             <a:fld id="{838F06BD-EB00-4684-A38A-D673998DC19F}" type="datetimeFigureOut">
               <a:rPr lang="zh-CN" altLang="en-US" smtClean="0"/>
-              <a:t>2022/5/17</a:t>
+              <a:t>2022/5/23</a:t>
             </a:fld>
             <a:endParaRPr lang="zh-CN" altLang="en-US"/>
           </a:p>
@@ -3439,45 +3444,7 @@
         </p:blipFill>
         <p:spPr>
           <a:xfrm>
-            <a:off x="0" y="42328"/>
-            <a:ext cx="3096000" cy="2075931"/>
-          </a:xfrm>
-          <a:prstGeom prst="rect">
-            <a:avLst/>
-          </a:prstGeom>
-        </p:spPr>
-      </p:pic>
-      <p:pic>
-        <p:nvPicPr>
-          <p:cNvPr id="5" name="0864_swing_rgb">
-            <a:hlinkClick r:id="" action="ppaction://media"/>
-            <a:extLst>
-              <a:ext uri="{FF2B5EF4-FFF2-40B4-BE49-F238E27FC236}">
-                <a16:creationId xmlns:a16="http://schemas.microsoft.com/office/drawing/2014/main" id="{2F562083-58CC-C081-3195-99FE42553A98}"/>
-              </a:ext>
-            </a:extLst>
-          </p:cNvPr>
-          <p:cNvPicPr>
-            <a:picLocks noChangeAspect="1"/>
-          </p:cNvPicPr>
-          <p:nvPr>
-            <a:videoFile r:link="rId4"/>
-            <p:extLst>
-              <p:ext uri="{DAA4B4D4-6D71-4841-9C94-3DE7FCFB9230}">
-                <p14:media xmlns:p14="http://schemas.microsoft.com/office/powerpoint/2010/main" r:embed="rId3"/>
-              </p:ext>
-            </p:extLst>
-          </p:nvPr>
-        </p:nvPicPr>
-        <p:blipFill>
-          <a:blip r:embed="rId10"/>
-          <a:stretch>
-            <a:fillRect/>
-          </a:stretch>
-        </p:blipFill>
-        <p:spPr>
-          <a:xfrm>
-            <a:off x="3312925" y="42328"/>
+            <a:off x="3312925" y="42327"/>
             <a:ext cx="3096000" cy="2075931"/>
           </a:xfrm>
           <a:prstGeom prst="rect">
@@ -3499,6 +3466,44 @@
             <a:picLocks noChangeAspect="1"/>
           </p:cNvPicPr>
           <p:nvPr>
+            <a:videoFile r:link="rId4"/>
+            <p:extLst>
+              <p:ext uri="{DAA4B4D4-6D71-4841-9C94-3DE7FCFB9230}">
+                <p14:media xmlns:p14="http://schemas.microsoft.com/office/powerpoint/2010/main" r:embed="rId3"/>
+              </p:ext>
+            </p:extLst>
+          </p:nvPr>
+        </p:nvPicPr>
+        <p:blipFill>
+          <a:blip r:embed="rId10"/>
+          <a:stretch>
+            <a:fillRect/>
+          </a:stretch>
+        </p:blipFill>
+        <p:spPr>
+          <a:xfrm>
+            <a:off x="0" y="42327"/>
+            <a:ext cx="3096000" cy="2075931"/>
+          </a:xfrm>
+          <a:prstGeom prst="rect">
+            <a:avLst/>
+          </a:prstGeom>
+        </p:spPr>
+      </p:pic>
+      <p:pic>
+        <p:nvPicPr>
+          <p:cNvPr id="13" name="0873_swing_rgb">
+            <a:hlinkClick r:id="" action="ppaction://media"/>
+            <a:extLst>
+              <a:ext uri="{FF2B5EF4-FFF2-40B4-BE49-F238E27FC236}">
+                <a16:creationId xmlns:a16="http://schemas.microsoft.com/office/drawing/2014/main" id="{E955BFF0-CDF4-254C-B40E-5BBE726922D3}"/>
+              </a:ext>
+            </a:extLst>
+          </p:cNvPr>
+          <p:cNvPicPr>
+            <a:picLocks noChangeAspect="1"/>
+          </p:cNvPicPr>
+          <p:nvPr>
             <a:videoFile r:link="rId6"/>
             <p:extLst>
               <p:ext uri="{DAA4B4D4-6D71-4841-9C94-3DE7FCFB9230}">
@@ -3515,8 +3520,8 @@
         </p:blipFill>
         <p:spPr>
           <a:xfrm>
-            <a:off x="6625850" y="42327"/>
-            <a:ext cx="3096000" cy="2075931"/>
+            <a:off x="6610546" y="41058"/>
+            <a:ext cx="3111304" cy="2077200"/>
           </a:xfrm>
           <a:prstGeom prst="rect">
             <a:avLst/>
@@ -3583,7 +3588,7 @@
                                       <p:cBhvr>
                                         <p:cTn id="8" dur="3000" fill="hold"/>
                                         <p:tgtEl>
-                                          <p:spTgt spid="5"/>
+                                          <p:spTgt spid="6"/>
                                         </p:tgtEl>
                                       </p:cBhvr>
                                     </p:cmd>
@@ -3600,7 +3605,7 @@
                                       <p:cBhvr>
                                         <p:cTn id="10" dur="3000" fill="hold"/>
                                         <p:tgtEl>
-                                          <p:spTgt spid="6"/>
+                                          <p:spTgt spid="13"/>
                                         </p:tgtEl>
                                       </p:cBhvr>
                                     </p:cmd>
@@ -3650,7 +3655,7 @@
                   </p:stCondLst>
                 </p:cTn>
                 <p:tgtEl>
-                  <p:spTgt spid="5"/>
+                  <p:spTgt spid="6"/>
                 </p:tgtEl>
               </p:cMediaNode>
             </p:video>
@@ -3662,7 +3667,7 @@
                   </p:stCondLst>
                 </p:cTn>
                 <p:tgtEl>
-                  <p:spTgt spid="6"/>
+                  <p:spTgt spid="13"/>
                 </p:tgtEl>
               </p:cMediaNode>
             </p:video>
